--- a/UI/UI-Wage.pptx
+++ b/UI/UI-Wage.pptx
@@ -109,6 +109,22 @@
       </a:defRPr>
     </a:lvl9pPr>
   </p:defaultTextStyle>
+  <p:extLst>
+    <p:ext uri="{EFAFB233-063F-42B5-8137-9DF3F51BA10A}">
+      <p15:sldGuideLst xmlns:p15="http://schemas.microsoft.com/office/powerpoint/2012/main">
+        <p15:guide id="1" orient="horz" pos="2160">
+          <p15:clr>
+            <a:srgbClr val="A4A3A4"/>
+          </p15:clr>
+        </p15:guide>
+        <p15:guide id="2" pos="2880">
+          <p15:clr>
+            <a:srgbClr val="A4A3A4"/>
+          </p15:clr>
+        </p15:guide>
+      </p15:sldGuideLst>
+    </p:ext>
+  </p:extLst>
 </p:presentation>
 </file>
 
@@ -194,7 +210,7 @@
           <a:p>
             <a:fld id="{DB443C9A-6290-4291-8194-B202CB35BDFB}" type="datetimeFigureOut">
               <a:rPr lang="en-US" smtClean="0"/>
-              <a:t>2020-04-01</a:t>
+              <a:t>4/2/2020</a:t>
             </a:fld>
             <a:endParaRPr lang="en-US"/>
           </a:p>
@@ -727,7 +743,7 @@
           <a:p>
             <a:fld id="{DBEA8064-A112-447B-88A6-4BEDC8BD4EB2}" type="datetimeFigureOut">
               <a:rPr lang="en-US" smtClean="0"/>
-              <a:t>2020-04-01</a:t>
+              <a:t>4/2/2020</a:t>
             </a:fld>
             <a:endParaRPr lang="en-US"/>
           </a:p>
@@ -897,7 +913,7 @@
           <a:p>
             <a:fld id="{DBEA8064-A112-447B-88A6-4BEDC8BD4EB2}" type="datetimeFigureOut">
               <a:rPr lang="en-US" smtClean="0"/>
-              <a:t>2020-04-01</a:t>
+              <a:t>4/2/2020</a:t>
             </a:fld>
             <a:endParaRPr lang="en-US"/>
           </a:p>
@@ -1077,7 +1093,7 @@
           <a:p>
             <a:fld id="{DBEA8064-A112-447B-88A6-4BEDC8BD4EB2}" type="datetimeFigureOut">
               <a:rPr lang="en-US" smtClean="0"/>
-              <a:t>2020-04-01</a:t>
+              <a:t>4/2/2020</a:t>
             </a:fld>
             <a:endParaRPr lang="en-US"/>
           </a:p>
@@ -1247,7 +1263,7 @@
           <a:p>
             <a:fld id="{DBEA8064-A112-447B-88A6-4BEDC8BD4EB2}" type="datetimeFigureOut">
               <a:rPr lang="en-US" smtClean="0"/>
-              <a:t>2020-04-01</a:t>
+              <a:t>4/2/2020</a:t>
             </a:fld>
             <a:endParaRPr lang="en-US"/>
           </a:p>
@@ -1493,7 +1509,7 @@
           <a:p>
             <a:fld id="{DBEA8064-A112-447B-88A6-4BEDC8BD4EB2}" type="datetimeFigureOut">
               <a:rPr lang="en-US" smtClean="0"/>
-              <a:t>2020-04-01</a:t>
+              <a:t>4/2/2020</a:t>
             </a:fld>
             <a:endParaRPr lang="en-US"/>
           </a:p>
@@ -1781,7 +1797,7 @@
           <a:p>
             <a:fld id="{DBEA8064-A112-447B-88A6-4BEDC8BD4EB2}" type="datetimeFigureOut">
               <a:rPr lang="en-US" smtClean="0"/>
-              <a:t>2020-04-01</a:t>
+              <a:t>4/2/2020</a:t>
             </a:fld>
             <a:endParaRPr lang="en-US"/>
           </a:p>
@@ -2203,7 +2219,7 @@
           <a:p>
             <a:fld id="{DBEA8064-A112-447B-88A6-4BEDC8BD4EB2}" type="datetimeFigureOut">
               <a:rPr lang="en-US" smtClean="0"/>
-              <a:t>2020-04-01</a:t>
+              <a:t>4/2/2020</a:t>
             </a:fld>
             <a:endParaRPr lang="en-US"/>
           </a:p>
@@ -2321,7 +2337,7 @@
           <a:p>
             <a:fld id="{DBEA8064-A112-447B-88A6-4BEDC8BD4EB2}" type="datetimeFigureOut">
               <a:rPr lang="en-US" smtClean="0"/>
-              <a:t>2020-04-01</a:t>
+              <a:t>4/2/2020</a:t>
             </a:fld>
             <a:endParaRPr lang="en-US"/>
           </a:p>
@@ -2416,7 +2432,7 @@
           <a:p>
             <a:fld id="{DBEA8064-A112-447B-88A6-4BEDC8BD4EB2}" type="datetimeFigureOut">
               <a:rPr lang="en-US" smtClean="0"/>
-              <a:t>2020-04-01</a:t>
+              <a:t>4/2/2020</a:t>
             </a:fld>
             <a:endParaRPr lang="en-US"/>
           </a:p>
@@ -2693,7 +2709,7 @@
           <a:p>
             <a:fld id="{DBEA8064-A112-447B-88A6-4BEDC8BD4EB2}" type="datetimeFigureOut">
               <a:rPr lang="en-US" smtClean="0"/>
-              <a:t>2020-04-01</a:t>
+              <a:t>4/2/2020</a:t>
             </a:fld>
             <a:endParaRPr lang="en-US"/>
           </a:p>
@@ -2946,7 +2962,7 @@
           <a:p>
             <a:fld id="{DBEA8064-A112-447B-88A6-4BEDC8BD4EB2}" type="datetimeFigureOut">
               <a:rPr lang="en-US" smtClean="0"/>
-              <a:t>2020-04-01</a:t>
+              <a:t>4/2/2020</a:t>
             </a:fld>
             <a:endParaRPr lang="en-US"/>
           </a:p>
@@ -3159,7 +3175,7 @@
           <a:p>
             <a:fld id="{DBEA8064-A112-447B-88A6-4BEDC8BD4EB2}" type="datetimeFigureOut">
               <a:rPr lang="en-US" smtClean="0"/>
-              <a:t>2020-04-01</a:t>
+              <a:t>4/2/2020</a:t>
             </a:fld>
             <a:endParaRPr lang="en-US"/>
           </a:p>
